--- a/CVs/CV MC.pptx
+++ b/CVs/CV MC.pptx
@@ -5,11 +5,10 @@
     <p:sldMasterId id="2147483648" r:id="rId1"/>
   </p:sldMasterIdLst>
   <p:notesMasterIdLst>
-    <p:notesMasterId r:id="rId4"/>
+    <p:notesMasterId r:id="rId3"/>
   </p:notesMasterIdLst>
   <p:sldIdLst>
     <p:sldId id="258" r:id="rId2"/>
-    <p:sldId id="260" r:id="rId3"/>
   </p:sldIdLst>
   <p:sldSz cx="6858000" cy="9906000" type="A4"/>
   <p:notesSz cx="6858000" cy="9144000"/>
@@ -110,7 +109,7 @@
   </p:defaultTextStyle>
   <p:extLst>
     <p:ext uri="{EFAFB233-063F-42B5-8137-9DF3F51BA10A}">
-      <p15:sldGuideLst xmlns:p15="http://schemas.microsoft.com/office/powerpoint/2012/main" xmlns="">
+      <p15:sldGuideLst xmlns:p15="http://schemas.microsoft.com/office/powerpoint/2012/main">
         <p15:guide id="1" orient="horz" pos="3120">
           <p15:clr>
             <a:srgbClr val="A4A3A4"/>
@@ -125,10 +124,6 @@
     </p:ext>
   </p:extLst>
 </p:presentation>
-</file>
-
-<file path=ppt/revisionInfo.xml><?xml version="1.0" encoding="utf-8"?>
-<p1510:revInfo xmlns:a="http://schemas.openxmlformats.org/drawingml/2006/main" xmlns:r="http://schemas.openxmlformats.org/officeDocument/2006/relationships" xmlns:p1510="http://schemas.microsoft.com/office/powerpoint/2015/10/main"/>
 </file>
 
 <file path=ppt/notesMasters/notesMaster1.xml><?xml version="1.0" encoding="utf-8"?>
@@ -213,7 +208,7 @@
           <a:p>
             <a:fld id="{6C6D5F1F-E3CB-874F-98F9-DDA3CA681C75}" type="datetimeFigureOut">
               <a:rPr lang="en-US" smtClean="0"/>
-              <a:t>8/28/2019</a:t>
+              <a:t>10/3/2019</a:t>
             </a:fld>
             <a:endParaRPr lang="en-US"/>
           </a:p>
@@ -372,7 +367,7 @@
           <a:p>
             <a:fld id="{347E51FA-C14F-AC4A-8C81-BB2F6D28C50F}" type="slidenum">
               <a:rPr lang="en-US" smtClean="0"/>
-              <a:t>‹N°›</a:t>
+              <a:t>‹#›</a:t>
             </a:fld>
             <a:endParaRPr lang="en-US"/>
           </a:p>
@@ -746,7 +741,7 @@
           <a:p>
             <a:fld id="{E067A70D-6EFA-0C4B-8AE2-D602863194E8}" type="datetimeFigureOut">
               <a:rPr lang="en-US" smtClean="0"/>
-              <a:t>8/28/2019</a:t>
+              <a:t>10/3/2019</a:t>
             </a:fld>
             <a:endParaRPr lang="en-US"/>
           </a:p>
@@ -788,7 +783,7 @@
           <a:p>
             <a:fld id="{DF93702D-B2F5-DA42-B84F-B46120C0D9AF}" type="slidenum">
               <a:rPr lang="en-US" smtClean="0"/>
-              <a:t>‹N°›</a:t>
+              <a:t>‹#›</a:t>
             </a:fld>
             <a:endParaRPr lang="en-US"/>
           </a:p>
@@ -916,7 +911,7 @@
           <a:p>
             <a:fld id="{E067A70D-6EFA-0C4B-8AE2-D602863194E8}" type="datetimeFigureOut">
               <a:rPr lang="en-US" smtClean="0"/>
-              <a:t>8/28/2019</a:t>
+              <a:t>10/3/2019</a:t>
             </a:fld>
             <a:endParaRPr lang="en-US"/>
           </a:p>
@@ -958,7 +953,7 @@
           <a:p>
             <a:fld id="{DF93702D-B2F5-DA42-B84F-B46120C0D9AF}" type="slidenum">
               <a:rPr lang="en-US" smtClean="0"/>
-              <a:t>‹N°›</a:t>
+              <a:t>‹#›</a:t>
             </a:fld>
             <a:endParaRPr lang="en-US"/>
           </a:p>
@@ -1096,7 +1091,7 @@
           <a:p>
             <a:fld id="{E067A70D-6EFA-0C4B-8AE2-D602863194E8}" type="datetimeFigureOut">
               <a:rPr lang="en-US" smtClean="0"/>
-              <a:t>8/28/2019</a:t>
+              <a:t>10/3/2019</a:t>
             </a:fld>
             <a:endParaRPr lang="en-US"/>
           </a:p>
@@ -1138,7 +1133,7 @@
           <a:p>
             <a:fld id="{DF93702D-B2F5-DA42-B84F-B46120C0D9AF}" type="slidenum">
               <a:rPr lang="en-US" smtClean="0"/>
-              <a:t>‹N°›</a:t>
+              <a:t>‹#›</a:t>
             </a:fld>
             <a:endParaRPr lang="en-US"/>
           </a:p>
@@ -1266,7 +1261,7 @@
           <a:p>
             <a:fld id="{E067A70D-6EFA-0C4B-8AE2-D602863194E8}" type="datetimeFigureOut">
               <a:rPr lang="en-US" smtClean="0"/>
-              <a:t>8/28/2019</a:t>
+              <a:t>10/3/2019</a:t>
             </a:fld>
             <a:endParaRPr lang="en-US"/>
           </a:p>
@@ -1308,7 +1303,7 @@
           <a:p>
             <a:fld id="{DF93702D-B2F5-DA42-B84F-B46120C0D9AF}" type="slidenum">
               <a:rPr lang="en-US" smtClean="0"/>
-              <a:t>‹N°›</a:t>
+              <a:t>‹#›</a:t>
             </a:fld>
             <a:endParaRPr lang="en-US"/>
           </a:p>
@@ -1512,7 +1507,7 @@
           <a:p>
             <a:fld id="{E067A70D-6EFA-0C4B-8AE2-D602863194E8}" type="datetimeFigureOut">
               <a:rPr lang="en-US" smtClean="0"/>
-              <a:t>8/28/2019</a:t>
+              <a:t>10/3/2019</a:t>
             </a:fld>
             <a:endParaRPr lang="en-US"/>
           </a:p>
@@ -1554,7 +1549,7 @@
           <a:p>
             <a:fld id="{DF93702D-B2F5-DA42-B84F-B46120C0D9AF}" type="slidenum">
               <a:rPr lang="en-US" smtClean="0"/>
-              <a:t>‹N°›</a:t>
+              <a:t>‹#›</a:t>
             </a:fld>
             <a:endParaRPr lang="en-US"/>
           </a:p>
@@ -1800,7 +1795,7 @@
           <a:p>
             <a:fld id="{E067A70D-6EFA-0C4B-8AE2-D602863194E8}" type="datetimeFigureOut">
               <a:rPr lang="en-US" smtClean="0"/>
-              <a:t>8/28/2019</a:t>
+              <a:t>10/3/2019</a:t>
             </a:fld>
             <a:endParaRPr lang="en-US"/>
           </a:p>
@@ -1842,7 +1837,7 @@
           <a:p>
             <a:fld id="{DF93702D-B2F5-DA42-B84F-B46120C0D9AF}" type="slidenum">
               <a:rPr lang="en-US" smtClean="0"/>
-              <a:t>‹N°›</a:t>
+              <a:t>‹#›</a:t>
             </a:fld>
             <a:endParaRPr lang="en-US"/>
           </a:p>
@@ -2222,7 +2217,7 @@
           <a:p>
             <a:fld id="{E067A70D-6EFA-0C4B-8AE2-D602863194E8}" type="datetimeFigureOut">
               <a:rPr lang="en-US" smtClean="0"/>
-              <a:t>8/28/2019</a:t>
+              <a:t>10/3/2019</a:t>
             </a:fld>
             <a:endParaRPr lang="en-US"/>
           </a:p>
@@ -2264,7 +2259,7 @@
           <a:p>
             <a:fld id="{DF93702D-B2F5-DA42-B84F-B46120C0D9AF}" type="slidenum">
               <a:rPr lang="en-US" smtClean="0"/>
-              <a:t>‹N°›</a:t>
+              <a:t>‹#›</a:t>
             </a:fld>
             <a:endParaRPr lang="en-US"/>
           </a:p>
@@ -2340,7 +2335,7 @@
           <a:p>
             <a:fld id="{E067A70D-6EFA-0C4B-8AE2-D602863194E8}" type="datetimeFigureOut">
               <a:rPr lang="en-US" smtClean="0"/>
-              <a:t>8/28/2019</a:t>
+              <a:t>10/3/2019</a:t>
             </a:fld>
             <a:endParaRPr lang="en-US"/>
           </a:p>
@@ -2382,7 +2377,7 @@
           <a:p>
             <a:fld id="{DF93702D-B2F5-DA42-B84F-B46120C0D9AF}" type="slidenum">
               <a:rPr lang="en-US" smtClean="0"/>
-              <a:t>‹N°›</a:t>
+              <a:t>‹#›</a:t>
             </a:fld>
             <a:endParaRPr lang="en-US"/>
           </a:p>
@@ -2435,7 +2430,7 @@
           <a:p>
             <a:fld id="{E067A70D-6EFA-0C4B-8AE2-D602863194E8}" type="datetimeFigureOut">
               <a:rPr lang="en-US" smtClean="0"/>
-              <a:t>8/28/2019</a:t>
+              <a:t>10/3/2019</a:t>
             </a:fld>
             <a:endParaRPr lang="en-US"/>
           </a:p>
@@ -2477,7 +2472,7 @@
           <a:p>
             <a:fld id="{DF93702D-B2F5-DA42-B84F-B46120C0D9AF}" type="slidenum">
               <a:rPr lang="en-US" smtClean="0"/>
-              <a:t>‹N°›</a:t>
+              <a:t>‹#›</a:t>
             </a:fld>
             <a:endParaRPr lang="en-US"/>
           </a:p>
@@ -2712,7 +2707,7 @@
           <a:p>
             <a:fld id="{E067A70D-6EFA-0C4B-8AE2-D602863194E8}" type="datetimeFigureOut">
               <a:rPr lang="en-US" smtClean="0"/>
-              <a:t>8/28/2019</a:t>
+              <a:t>10/3/2019</a:t>
             </a:fld>
             <a:endParaRPr lang="en-US"/>
           </a:p>
@@ -2754,7 +2749,7 @@
           <a:p>
             <a:fld id="{DF93702D-B2F5-DA42-B84F-B46120C0D9AF}" type="slidenum">
               <a:rPr lang="en-US" smtClean="0"/>
-              <a:t>‹N°›</a:t>
+              <a:t>‹#›</a:t>
             </a:fld>
             <a:endParaRPr lang="en-US"/>
           </a:p>
@@ -2965,7 +2960,7 @@
           <a:p>
             <a:fld id="{E067A70D-6EFA-0C4B-8AE2-D602863194E8}" type="datetimeFigureOut">
               <a:rPr lang="en-US" smtClean="0"/>
-              <a:t>8/28/2019</a:t>
+              <a:t>10/3/2019</a:t>
             </a:fld>
             <a:endParaRPr lang="en-US"/>
           </a:p>
@@ -3007,7 +3002,7 @@
           <a:p>
             <a:fld id="{DF93702D-B2F5-DA42-B84F-B46120C0D9AF}" type="slidenum">
               <a:rPr lang="en-US" smtClean="0"/>
-              <a:t>‹N°›</a:t>
+              <a:t>‹#›</a:t>
             </a:fld>
             <a:endParaRPr lang="en-US"/>
           </a:p>
@@ -3178,7 +3173,7 @@
           <a:p>
             <a:fld id="{E067A70D-6EFA-0C4B-8AE2-D602863194E8}" type="datetimeFigureOut">
               <a:rPr lang="en-US" smtClean="0"/>
-              <a:t>8/28/2019</a:t>
+              <a:t>10/3/2019</a:t>
             </a:fld>
             <a:endParaRPr lang="en-US"/>
           </a:p>
@@ -3256,7 +3251,7 @@
           <a:p>
             <a:fld id="{DF93702D-B2F5-DA42-B84F-B46120C0D9AF}" type="slidenum">
               <a:rPr lang="en-US" smtClean="0"/>
-              <a:t>‹N°›</a:t>
+              <a:t>‹#›</a:t>
             </a:fld>
             <a:endParaRPr lang="en-US"/>
           </a:p>
@@ -3558,7 +3553,7 @@
           <p:cNvPr id="22" name="TextBox 21">
             <a:extLst>
               <a:ext uri="{FF2B5EF4-FFF2-40B4-BE49-F238E27FC236}">
-                <a16:creationId xmlns:a16="http://schemas.microsoft.com/office/drawing/2014/main" xmlns="" id="{E22260E3-EAE8-4D2A-8B59-75EB1A70237F}"/>
+                <a16:creationId xmlns:a16="http://schemas.microsoft.com/office/drawing/2014/main" id="{E22260E3-EAE8-4D2A-8B59-75EB1A70237F}"/>
               </a:ext>
             </a:extLst>
           </p:cNvPr>
@@ -3567,7 +3562,7 @@
         </p:nvSpPr>
         <p:spPr>
           <a:xfrm>
-            <a:off x="-15552" y="6046125"/>
+            <a:off x="0" y="7187528"/>
             <a:ext cx="6020643" cy="2167838"/>
           </a:xfrm>
           <a:prstGeom prst="rect">
@@ -3591,8 +3586,13 @@
             </a:pPr>
             <a:r>
               <a:rPr lang="en-US" sz="1050" dirty="0"/>
-              <a:t>	C</a:t>
-            </a:r>
+              <a:t>	C </a:t>
+            </a:r>
+            <a:r>
+              <a:rPr lang="pt-PT" sz="1050" b="1" dirty="0"/>
+              <a:t>★</a:t>
+            </a:r>
+            <a:endParaRPr lang="en-US" sz="1050" dirty="0"/>
           </a:p>
           <a:p>
             <a:pPr>
@@ -3602,8 +3602,13 @@
             </a:pPr>
             <a:r>
               <a:rPr lang="en-US" sz="1050" dirty="0"/>
-              <a:t>	C++</a:t>
-            </a:r>
+              <a:t>	C++ </a:t>
+            </a:r>
+            <a:r>
+              <a:rPr lang="pt-PT" sz="1050" b="1" dirty="0"/>
+              <a:t>★</a:t>
+            </a:r>
+            <a:endParaRPr lang="en-US" sz="1050" dirty="0"/>
           </a:p>
           <a:p>
             <a:pPr>
@@ -3613,8 +3618,13 @@
             </a:pPr>
             <a:r>
               <a:rPr lang="en-US" sz="1050" dirty="0"/>
-              <a:t>	JAVA</a:t>
-            </a:r>
+              <a:t>	JAVA </a:t>
+            </a:r>
+            <a:r>
+              <a:rPr lang="pt-PT" sz="1050" b="1" dirty="0"/>
+              <a:t>★</a:t>
+            </a:r>
+            <a:endParaRPr lang="en-US" sz="1050" dirty="0"/>
           </a:p>
           <a:p>
             <a:pPr>
@@ -3624,8 +3634,13 @@
             </a:pPr>
             <a:r>
               <a:rPr lang="en-US" sz="1050" dirty="0"/>
-              <a:t>	SQL</a:t>
-            </a:r>
+              <a:t>	SQL </a:t>
+            </a:r>
+            <a:r>
+              <a:rPr lang="pt-PT" sz="1050" b="1" dirty="0"/>
+              <a:t>★ ★ ★</a:t>
+            </a:r>
+            <a:endParaRPr lang="en-US" sz="1050" dirty="0"/>
           </a:p>
           <a:p>
             <a:pPr>
@@ -3635,8 +3650,13 @@
             </a:pPr>
             <a:r>
               <a:rPr lang="en-US" sz="1050" dirty="0"/>
-              <a:t>	PHP</a:t>
-            </a:r>
+              <a:t>	PHP </a:t>
+            </a:r>
+            <a:r>
+              <a:rPr lang="pt-PT" sz="1050" b="1" dirty="0"/>
+              <a:t>★ ★ ★ ★</a:t>
+            </a:r>
+            <a:endParaRPr lang="en-US" sz="1050" dirty="0"/>
           </a:p>
           <a:p>
             <a:pPr>
@@ -3646,8 +3666,13 @@
             </a:pPr>
             <a:r>
               <a:rPr lang="en-US" sz="1050" dirty="0"/>
-              <a:t>	Python</a:t>
-            </a:r>
+              <a:t>	Python </a:t>
+            </a:r>
+            <a:r>
+              <a:rPr lang="pt-PT" sz="1050" b="1" dirty="0"/>
+              <a:t>★ ★ ★ ★ ★</a:t>
+            </a:r>
+            <a:endParaRPr lang="en-US" sz="1050" dirty="0"/>
           </a:p>
           <a:p>
             <a:pPr>
@@ -3657,7 +3682,15 @@
             </a:pPr>
             <a:r>
               <a:rPr lang="en-US" sz="1050" dirty="0"/>
-              <a:t>	HTML5/CSS3</a:t>
+              <a:t>	HTML – CSS – SCSS </a:t>
+            </a:r>
+            <a:r>
+              <a:rPr lang="pt-PT" sz="1050" b="1" dirty="0"/>
+              <a:t>★ ★ ★ ★</a:t>
+            </a:r>
+            <a:r>
+              <a:rPr lang="en-US" sz="1050" dirty="0"/>
+              <a:t> </a:t>
             </a:r>
           </a:p>
           <a:p>
@@ -3668,7 +3701,7 @@
             </a:pPr>
             <a:r>
               <a:rPr lang="en-US" sz="1050" dirty="0"/>
-              <a:t>	JavaScript &amp; </a:t>
+              <a:t>	JavaScript, Typescript, React &amp; </a:t>
             </a:r>
             <a:r>
               <a:rPr lang="en-US" sz="1050" dirty="0" err="1"/>
@@ -3676,7 +3709,15 @@
             </a:r>
             <a:r>
               <a:rPr lang="en-US" sz="1050" dirty="0"/>
-              <a:t>    		 </a:t>
+              <a:t> </a:t>
+            </a:r>
+            <a:r>
+              <a:rPr lang="pt-PT" sz="1050" b="1" dirty="0"/>
+              <a:t>★ ★ ★ ★</a:t>
+            </a:r>
+            <a:r>
+              <a:rPr lang="en-US" sz="1050" dirty="0"/>
+              <a:t> 		 </a:t>
             </a:r>
           </a:p>
         </p:txBody>
@@ -3689,8 +3730,8 @@
         </p:nvSpPr>
         <p:spPr>
           <a:xfrm>
-            <a:off x="-139700" y="5789215"/>
-            <a:ext cx="6802158" cy="311916"/>
+            <a:off x="-21349" y="6719529"/>
+            <a:ext cx="7010400" cy="311916"/>
           </a:xfrm>
           <a:prstGeom prst="rect">
             <a:avLst/>
@@ -3834,7 +3875,7 @@
         <p:spPr>
           <a:xfrm>
             <a:off x="184566" y="214592"/>
-            <a:ext cx="4108265" cy="6232475"/>
+            <a:ext cx="4108265" cy="6717223"/>
           </a:xfrm>
           <a:prstGeom prst="rect">
             <a:avLst/>
@@ -4088,7 +4129,7 @@
             <a:pPr algn="just"/>
             <a:r>
               <a:rPr lang="en-GB" sz="1050" b="1" dirty="0"/>
-              <a:t>Frontend Software Developer– September 2016 – Present</a:t>
+              <a:t>Frontend Software Developer– September 2016 – September 2017</a:t>
             </a:r>
             <a:endParaRPr lang="pt-PT" sz="1050" b="1" dirty="0"/>
           </a:p>
@@ -4143,55 +4184,71 @@
           </a:p>
           <a:p>
             <a:pPr algn="just"/>
-            <a:endParaRPr lang="en-US" sz="1050" b="1" dirty="0"/>
+            <a:endParaRPr lang="en-US" sz="1050" dirty="0"/>
           </a:p>
           <a:p>
             <a:pPr algn="just"/>
-            <a:endParaRPr lang="en-US" sz="1050" b="1" dirty="0"/>
+            <a:r>
+              <a:rPr lang="en-GB" sz="1050" b="1" dirty="0"/>
+              <a:t>Consultant on Computer Engineering – December 2017 – Present</a:t>
+            </a:r>
+            <a:endParaRPr lang="pt-PT" sz="1050" b="1" dirty="0"/>
           </a:p>
           <a:p>
             <a:pPr algn="just"/>
-            <a:endParaRPr lang="en-US" sz="1050" b="1" dirty="0"/>
+            <a:r>
+              <a:rPr lang="en-US" sz="1050" b="1" dirty="0"/>
+              <a:t>AKKA Technologies– Toulouse &amp; Lyon, </a:t>
+            </a:r>
+            <a:r>
+              <a:rPr lang="en-GB" sz="1050" b="1" dirty="0"/>
+              <a:t>France</a:t>
+            </a:r>
+            <a:r>
+              <a:rPr lang="en-US" sz="1050" b="1" dirty="0"/>
+              <a:t> </a:t>
+            </a:r>
           </a:p>
           <a:p>
             <a:pPr algn="just"/>
-            <a:endParaRPr lang="en-US" sz="1050" b="1" dirty="0"/>
+            <a:r>
+              <a:rPr lang="en-US" sz="1050" i="1" dirty="0"/>
+              <a:t>akka-technologies.com</a:t>
+            </a:r>
           </a:p>
           <a:p>
             <a:pPr algn="just"/>
-            <a:endParaRPr lang="en-US" sz="1050" b="1" dirty="0"/>
+            <a:r>
+              <a:rPr lang="en-US" sz="1050" dirty="0"/>
+              <a:t>     For the past two years I’ve had the pleasure to work as a consultant with</a:t>
+            </a:r>
+            <a:r>
+              <a:rPr lang="en-US" sz="1050" i="1" dirty="0"/>
+              <a:t> AKKA Technologies</a:t>
+            </a:r>
+            <a:r>
+              <a:rPr lang="en-US" sz="1050" dirty="0"/>
+              <a:t>. I’ve worked under a variety of projects for multiple clients, and have worked with a veritable buffet of different technologies.</a:t>
+            </a:r>
           </a:p>
           <a:p>
             <a:pPr algn="just"/>
-            <a:endParaRPr lang="en-US" sz="1050" b="1" dirty="0"/>
+            <a:endParaRPr lang="en-US" sz="1050" dirty="0"/>
           </a:p>
           <a:p>
             <a:pPr algn="just"/>
             <a:r>
-              <a:rPr lang="en-US" sz="1050" b="1" dirty="0"/>
-              <a:t>    </a:t>
-            </a:r>
-            <a:r>
-              <a:rPr lang="en-US" sz="1050" b="1" dirty="0">
-                <a:solidFill>
-                  <a:schemeClr val="bg1"/>
-                </a:solidFill>
-              </a:rPr>
-              <a:t>HARD SKILLS</a:t>
-            </a:r>
-            <a:endParaRPr lang="en-GB" sz="1050" b="1" dirty="0">
-              <a:solidFill>
-                <a:schemeClr val="bg1"/>
-              </a:solidFill>
-            </a:endParaRPr>
-          </a:p>
-          <a:p>
-            <a:pPr algn="just"/>
-            <a:r>
-              <a:rPr lang="en-GB" sz="1050" dirty="0"/>
-              <a:t>  </a:t>
-            </a:r>
-            <a:endParaRPr lang="en-US" sz="1050" dirty="0"/>
+              <a:rPr lang="en-US" sz="1050" dirty="0"/>
+              <a:t>    By all means consult my personal website or get in contact to discuss the various </a:t>
+            </a:r>
+            <a:r>
+              <a:rPr lang="en-US" sz="1050" dirty="0" err="1"/>
+              <a:t>projets</a:t>
+            </a:r>
+            <a:r>
+              <a:rPr lang="en-US" sz="1050" dirty="0"/>
+              <a:t> and clients I’ve had the pleasure to work with.</a:t>
+            </a:r>
           </a:p>
         </p:txBody>
       </p:sp>
@@ -4274,40 +4331,45 @@
           <a:p>
             <a:pPr algn="just"/>
             <a:r>
-              <a:rPr lang="pt-PT" sz="1200" dirty="0">
-                <a:solidFill>
-                  <a:srgbClr val="FFFFFF"/>
-                </a:solidFill>
-              </a:rPr>
-              <a:t>Alameda dos Oceanos nº 95 4ºEsq, Lisboa. </a:t>
-            </a:r>
-          </a:p>
-          <a:p>
-            <a:pPr algn="just"/>
-            <a:r>
               <a:rPr lang="en-GB" sz="1200" dirty="0">
                 <a:solidFill>
                   <a:srgbClr val="FFFFFF"/>
                 </a:solidFill>
               </a:rPr>
-              <a:t>1990 - 213</a:t>
-            </a:r>
-            <a:endParaRPr lang="pt-PT" sz="1200" dirty="0">
+              <a:t>14Bis, Chez Nestor, Rue </a:t>
+            </a:r>
+            <a:r>
+              <a:rPr lang="en-GB" sz="1200" dirty="0" err="1">
+                <a:solidFill>
+                  <a:srgbClr val="FFFFFF"/>
+                </a:solidFill>
+              </a:rPr>
+              <a:t>Nicolaï</a:t>
+            </a:r>
+            <a:r>
+              <a:rPr lang="en-GB" sz="1200" dirty="0">
+                <a:solidFill>
+                  <a:srgbClr val="FFFFFF"/>
+                </a:solidFill>
+              </a:rPr>
+              <a:t>, Lyon 69007</a:t>
+            </a:r>
+          </a:p>
+          <a:p>
+            <a:pPr algn="just"/>
+            <a:r>
+              <a:rPr lang="en-GB" sz="1200" b="1" dirty="0">
+                <a:solidFill>
+                  <a:srgbClr val="FFFFFF"/>
+                </a:solidFill>
+              </a:rPr>
+              <a:t>France</a:t>
+            </a:r>
+            <a:endParaRPr lang="pt-PT" sz="1200" b="1" dirty="0">
               <a:solidFill>
                 <a:srgbClr val="FFFFFF"/>
               </a:solidFill>
             </a:endParaRPr>
-          </a:p>
-          <a:p>
-            <a:pPr algn="just"/>
-            <a:r>
-              <a:rPr lang="pt-PT" sz="1200" b="1" dirty="0">
-                <a:solidFill>
-                  <a:srgbClr val="FFFFFF"/>
-                </a:solidFill>
-              </a:rPr>
-              <a:t>Portugal</a:t>
-            </a:r>
           </a:p>
           <a:p>
             <a:pPr algn="just"/>
@@ -4319,6 +4381,14 @@
           </a:p>
           <a:p>
             <a:pPr algn="just"/>
+            <a:endParaRPr lang="pt-PT" sz="1200" b="1" dirty="0">
+              <a:solidFill>
+                <a:srgbClr val="FFFFFF"/>
+              </a:solidFill>
+            </a:endParaRPr>
+          </a:p>
+          <a:p>
+            <a:pPr algn="just"/>
             <a:r>
               <a:rPr lang="pt-PT" sz="1200" dirty="0">
                 <a:solidFill>
@@ -4360,11 +4430,14 @@
           </a:p>
           <a:p>
             <a:pPr algn="just"/>
-            <a:endParaRPr lang="en-GB" sz="1200" dirty="0">
-              <a:solidFill>
-                <a:srgbClr val="FFFFFF"/>
-              </a:solidFill>
-            </a:endParaRPr>
+            <a:r>
+              <a:rPr lang="en-GB" sz="1200" b="1" dirty="0">
+                <a:solidFill>
+                  <a:srgbClr val="FFFFFF"/>
+                </a:solidFill>
+              </a:rPr>
+              <a:t>Personal Website:</a:t>
+            </a:r>
           </a:p>
           <a:p>
             <a:pPr algn="just"/>
@@ -4468,8 +4541,8 @@
         </p:blipFill>
         <p:spPr>
           <a:xfrm>
-            <a:off x="-50800" y="5725166"/>
-            <a:ext cx="467999" cy="467999"/>
+            <a:off x="-56597" y="6648138"/>
+            <a:ext cx="482326" cy="467999"/>
           </a:xfrm>
           <a:prstGeom prst="rect">
             <a:avLst/>
@@ -4621,7 +4694,7 @@
         </p:nvSpPr>
         <p:spPr>
           <a:xfrm>
-            <a:off x="3999868" y="6293414"/>
+            <a:off x="4069718" y="7468673"/>
             <a:ext cx="2525950" cy="1384995"/>
           </a:xfrm>
           <a:prstGeom prst="rect">
@@ -4703,69 +4776,12 @@
           </a:p>
         </p:txBody>
       </p:sp>
-      <p:sp>
-        <p:nvSpPr>
-          <p:cNvPr id="2" name="TextBox 1"/>
-          <p:cNvSpPr txBox="1"/>
-          <p:nvPr/>
-        </p:nvSpPr>
-        <p:spPr>
-          <a:xfrm>
-            <a:off x="180000" y="8630593"/>
-            <a:ext cx="6103412" cy="1154162"/>
-          </a:xfrm>
-          <a:prstGeom prst="rect">
-            <a:avLst/>
-          </a:prstGeom>
-          <a:noFill/>
-        </p:spPr>
-        <p:txBody>
-          <a:bodyPr wrap="square" rtlCol="0">
-            <a:spAutoFit/>
-          </a:bodyPr>
-          <a:lstStyle/>
-          <a:p>
-            <a:pPr algn="just"/>
-            <a:endParaRPr lang="pt-PT" sz="1050" dirty="0"/>
-          </a:p>
-          <a:p>
-            <a:pPr algn="just"/>
-            <a:r>
-              <a:rPr lang="en-US" sz="1050" dirty="0"/>
-              <a:t>I am an adaptable, hard-working graduate seeking an entry-level position in software development, which will </a:t>
-            </a:r>
-            <a:r>
-              <a:rPr lang="en-US" sz="1050" dirty="0" err="1"/>
-              <a:t>utilise</a:t>
-            </a:r>
-            <a:r>
-              <a:rPr lang="en-US" sz="1050" dirty="0"/>
-              <a:t> the programming and management skills developed through the most renowned computer engineering course available in Portugal.</a:t>
-            </a:r>
-          </a:p>
-          <a:p>
-            <a:pPr algn="just"/>
-            <a:endParaRPr lang="pt-PT" sz="1050" dirty="0"/>
-          </a:p>
-          <a:p>
-            <a:pPr algn="just"/>
-            <a:r>
-              <a:rPr lang="en-GB" sz="1050" dirty="0"/>
-              <a:t>I am obsessed with old movies, all types of Latino music and traveling. </a:t>
-            </a:r>
-            <a:endParaRPr lang="pt-PT" sz="1050" dirty="0"/>
-          </a:p>
-          <a:p>
-            <a:endParaRPr lang="en-US" sz="600" dirty="0"/>
-          </a:p>
-        </p:txBody>
-      </p:sp>
       <p:pic>
         <p:nvPicPr>
           <p:cNvPr id="5" name="Picture 4">
             <a:extLst>
               <a:ext uri="{FF2B5EF4-FFF2-40B4-BE49-F238E27FC236}">
-                <a16:creationId xmlns:a16="http://schemas.microsoft.com/office/drawing/2014/main" xmlns="" id="{5F016068-6AD9-4E43-BD66-891265835B3E}"/>
+                <a16:creationId xmlns:a16="http://schemas.microsoft.com/office/drawing/2014/main" id="{5F016068-6AD9-4E43-BD66-891265835B3E}"/>
               </a:ext>
             </a:extLst>
           </p:cNvPr>
@@ -4795,7 +4811,7 @@
           <p:cNvPr id="21" name="Picture 20">
             <a:extLst>
               <a:ext uri="{FF2B5EF4-FFF2-40B4-BE49-F238E27FC236}">
-                <a16:creationId xmlns:a16="http://schemas.microsoft.com/office/drawing/2014/main" xmlns="" id="{EF5D6E8A-6A15-4805-84DE-117E3728E2D8}"/>
+                <a16:creationId xmlns:a16="http://schemas.microsoft.com/office/drawing/2014/main" id="{EF5D6E8A-6A15-4805-84DE-117E3728E2D8}"/>
               </a:ext>
             </a:extLst>
           </p:cNvPr>
@@ -4840,7 +4856,7 @@
           <p:cNvPr id="7" name="Graphic 6">
             <a:extLst>
               <a:ext uri="{FF2B5EF4-FFF2-40B4-BE49-F238E27FC236}">
-                <a16:creationId xmlns:a16="http://schemas.microsoft.com/office/drawing/2014/main" xmlns="" id="{B9D3DD9F-5768-4EEE-A2B3-2552457835EF}"/>
+                <a16:creationId xmlns:a16="http://schemas.microsoft.com/office/drawing/2014/main" id="{B9D3DD9F-5768-4EEE-A2B3-2552457835EF}"/>
               </a:ext>
             </a:extLst>
           </p:cNvPr>
@@ -4853,7 +4869,7 @@
           <a:blip r:embed="rId12">
             <a:extLst>
               <a:ext uri="{96DAC541-7B7A-43D3-8B79-37D633B846F1}">
-                <asvg:svgBlip xmlns:asvg="http://schemas.microsoft.com/office/drawing/2016/SVG/main" xmlns="" r:embed="rId13"/>
+                <asvg:svgBlip xmlns:asvg="http://schemas.microsoft.com/office/drawing/2016/SVG/main" r:embed="rId13"/>
               </a:ext>
             </a:extLst>
           </a:blip>
@@ -4863,7 +4879,7 @@
         </p:blipFill>
         <p:spPr>
           <a:xfrm>
-            <a:off x="288325" y="6319607"/>
+            <a:off x="331152" y="7474231"/>
             <a:ext cx="172094" cy="172094"/>
           </a:xfrm>
           <a:prstGeom prst="rect">
@@ -4876,7 +4892,7 @@
           <p:cNvPr id="11" name="Graphic 10">
             <a:extLst>
               <a:ext uri="{FF2B5EF4-FFF2-40B4-BE49-F238E27FC236}">
-                <a16:creationId xmlns:a16="http://schemas.microsoft.com/office/drawing/2014/main" xmlns="" id="{4DCB5E03-6C2D-491E-8F94-D83136BE35A6}"/>
+                <a16:creationId xmlns:a16="http://schemas.microsoft.com/office/drawing/2014/main" id="{4DCB5E03-6C2D-491E-8F94-D83136BE35A6}"/>
               </a:ext>
             </a:extLst>
           </p:cNvPr>
@@ -4889,7 +4905,7 @@
           <a:blip r:embed="rId14">
             <a:extLst>
               <a:ext uri="{96DAC541-7B7A-43D3-8B79-37D633B846F1}">
-                <asvg:svgBlip xmlns:asvg="http://schemas.microsoft.com/office/drawing/2016/SVG/main" xmlns="" r:embed="rId15"/>
+                <asvg:svgBlip xmlns:asvg="http://schemas.microsoft.com/office/drawing/2016/SVG/main" r:embed="rId15"/>
               </a:ext>
             </a:extLst>
           </a:blip>
@@ -4899,7 +4915,7 @@
         </p:blipFill>
         <p:spPr>
           <a:xfrm>
-            <a:off x="292606" y="6545950"/>
+            <a:off x="335433" y="7700574"/>
             <a:ext cx="171547" cy="171547"/>
           </a:xfrm>
           <a:prstGeom prst="rect">
@@ -4912,7 +4928,7 @@
           <p:cNvPr id="13" name="Graphic 12">
             <a:extLst>
               <a:ext uri="{FF2B5EF4-FFF2-40B4-BE49-F238E27FC236}">
-                <a16:creationId xmlns:a16="http://schemas.microsoft.com/office/drawing/2014/main" xmlns="" id="{C5309644-0148-4308-803A-802031F535BD}"/>
+                <a16:creationId xmlns:a16="http://schemas.microsoft.com/office/drawing/2014/main" id="{C5309644-0148-4308-803A-802031F535BD}"/>
               </a:ext>
             </a:extLst>
           </p:cNvPr>
@@ -4925,7 +4941,7 @@
           <a:blip r:embed="rId16">
             <a:extLst>
               <a:ext uri="{96DAC541-7B7A-43D3-8B79-37D633B846F1}">
-                <asvg:svgBlip xmlns:asvg="http://schemas.microsoft.com/office/drawing/2016/SVG/main" xmlns="" r:embed="rId17"/>
+                <asvg:svgBlip xmlns:asvg="http://schemas.microsoft.com/office/drawing/2016/SVG/main" r:embed="rId17"/>
               </a:ext>
             </a:extLst>
           </a:blip>
@@ -4935,7 +4951,7 @@
         </p:blipFill>
         <p:spPr>
           <a:xfrm>
-            <a:off x="278292" y="6781532"/>
+            <a:off x="321119" y="7936156"/>
             <a:ext cx="184541" cy="184541"/>
           </a:xfrm>
           <a:prstGeom prst="rect">
@@ -4948,7 +4964,7 @@
           <p:cNvPr id="20" name="Graphic 19">
             <a:extLst>
               <a:ext uri="{FF2B5EF4-FFF2-40B4-BE49-F238E27FC236}">
-                <a16:creationId xmlns:a16="http://schemas.microsoft.com/office/drawing/2014/main" xmlns="" id="{94D9D6DF-E5E4-4CF1-84CC-4BE3736B74C2}"/>
+                <a16:creationId xmlns:a16="http://schemas.microsoft.com/office/drawing/2014/main" id="{94D9D6DF-E5E4-4CF1-84CC-4BE3736B74C2}"/>
               </a:ext>
             </a:extLst>
           </p:cNvPr>
@@ -4961,7 +4977,7 @@
           <a:blip r:embed="rId18">
             <a:extLst>
               <a:ext uri="{96DAC541-7B7A-43D3-8B79-37D633B846F1}">
-                <asvg:svgBlip xmlns:asvg="http://schemas.microsoft.com/office/drawing/2016/SVG/main" xmlns="" r:embed="rId19"/>
+                <asvg:svgBlip xmlns:asvg="http://schemas.microsoft.com/office/drawing/2016/SVG/main" r:embed="rId19"/>
               </a:ext>
             </a:extLst>
           </a:blip>
@@ -4971,7 +4987,7 @@
         </p:blipFill>
         <p:spPr>
           <a:xfrm>
-            <a:off x="271464" y="7250091"/>
+            <a:off x="314291" y="8404715"/>
             <a:ext cx="204418" cy="204418"/>
           </a:xfrm>
           <a:prstGeom prst="rect">
@@ -4984,7 +5000,7 @@
           <p:cNvPr id="29" name="Graphic 28">
             <a:extLst>
               <a:ext uri="{FF2B5EF4-FFF2-40B4-BE49-F238E27FC236}">
-                <a16:creationId xmlns:a16="http://schemas.microsoft.com/office/drawing/2014/main" xmlns="" id="{74E0E56E-BD67-4D5F-83E6-E83A04E39716}"/>
+                <a16:creationId xmlns:a16="http://schemas.microsoft.com/office/drawing/2014/main" id="{74E0E56E-BD67-4D5F-83E6-E83A04E39716}"/>
               </a:ext>
             </a:extLst>
           </p:cNvPr>
@@ -4997,7 +5013,7 @@
           <a:blip r:embed="rId20">
             <a:extLst>
               <a:ext uri="{96DAC541-7B7A-43D3-8B79-37D633B846F1}">
-                <asvg:svgBlip xmlns:asvg="http://schemas.microsoft.com/office/drawing/2016/SVG/main" xmlns="" r:embed="rId21"/>
+                <asvg:svgBlip xmlns:asvg="http://schemas.microsoft.com/office/drawing/2016/SVG/main" r:embed="rId21"/>
               </a:ext>
             </a:extLst>
           </a:blip>
@@ -5007,7 +5023,7 @@
         </p:blipFill>
         <p:spPr>
           <a:xfrm>
-            <a:off x="288325" y="7024040"/>
+            <a:off x="331152" y="8178664"/>
             <a:ext cx="164477" cy="164477"/>
           </a:xfrm>
           <a:prstGeom prst="rect">
@@ -5020,7 +5036,7 @@
           <p:cNvPr id="32" name="Graphic 31">
             <a:extLst>
               <a:ext uri="{FF2B5EF4-FFF2-40B4-BE49-F238E27FC236}">
-                <a16:creationId xmlns:a16="http://schemas.microsoft.com/office/drawing/2014/main" xmlns="" id="{02334FAB-3473-4470-9D83-3DC166590D08}"/>
+                <a16:creationId xmlns:a16="http://schemas.microsoft.com/office/drawing/2014/main" id="{02334FAB-3473-4470-9D83-3DC166590D08}"/>
               </a:ext>
             </a:extLst>
           </p:cNvPr>
@@ -5033,7 +5049,7 @@
           <a:blip r:embed="rId22">
             <a:extLst>
               <a:ext uri="{96DAC541-7B7A-43D3-8B79-37D633B846F1}">
-                <asvg:svgBlip xmlns:asvg="http://schemas.microsoft.com/office/drawing/2016/SVG/main" xmlns="" r:embed="rId23"/>
+                <asvg:svgBlip xmlns:asvg="http://schemas.microsoft.com/office/drawing/2016/SVG/main" r:embed="rId23"/>
               </a:ext>
             </a:extLst>
           </a:blip>
@@ -5043,7 +5059,7 @@
         </p:blipFill>
         <p:spPr>
           <a:xfrm>
-            <a:off x="279509" y="7510568"/>
+            <a:off x="322336" y="8665192"/>
             <a:ext cx="200563" cy="200563"/>
           </a:xfrm>
           <a:prstGeom prst="rect">
@@ -5056,7 +5072,7 @@
           <p:cNvPr id="34" name="Graphic 33">
             <a:extLst>
               <a:ext uri="{FF2B5EF4-FFF2-40B4-BE49-F238E27FC236}">
-                <a16:creationId xmlns:a16="http://schemas.microsoft.com/office/drawing/2014/main" xmlns="" id="{DCD05371-C9B0-4A4E-8B17-A7298398DCE8}"/>
+                <a16:creationId xmlns:a16="http://schemas.microsoft.com/office/drawing/2014/main" id="{DCD05371-C9B0-4A4E-8B17-A7298398DCE8}"/>
               </a:ext>
             </a:extLst>
           </p:cNvPr>
@@ -5069,7 +5085,7 @@
           <a:blip r:embed="rId24">
             <a:extLst>
               <a:ext uri="{96DAC541-7B7A-43D3-8B79-37D633B846F1}">
-                <asvg:svgBlip xmlns:asvg="http://schemas.microsoft.com/office/drawing/2016/SVG/main" xmlns="" r:embed="rId25"/>
+                <asvg:svgBlip xmlns:asvg="http://schemas.microsoft.com/office/drawing/2016/SVG/main" r:embed="rId25"/>
               </a:ext>
             </a:extLst>
           </a:blip>
@@ -5079,7 +5095,7 @@
         </p:blipFill>
         <p:spPr>
           <a:xfrm>
-            <a:off x="279509" y="7737868"/>
+            <a:off x="322336" y="8892492"/>
             <a:ext cx="168025" cy="168025"/>
           </a:xfrm>
           <a:prstGeom prst="rect">
@@ -5092,7 +5108,7 @@
           <p:cNvPr id="36" name="Graphic 35">
             <a:extLst>
               <a:ext uri="{FF2B5EF4-FFF2-40B4-BE49-F238E27FC236}">
-                <a16:creationId xmlns:a16="http://schemas.microsoft.com/office/drawing/2014/main" xmlns="" id="{4135A763-47F4-4AAF-A8D8-76FA630C127E}"/>
+                <a16:creationId xmlns:a16="http://schemas.microsoft.com/office/drawing/2014/main" id="{4135A763-47F4-4AAF-A8D8-76FA630C127E}"/>
               </a:ext>
             </a:extLst>
           </p:cNvPr>
@@ -5105,7 +5121,7 @@
           <a:blip r:embed="rId26">
             <a:extLst>
               <a:ext uri="{96DAC541-7B7A-43D3-8B79-37D633B846F1}">
-                <asvg:svgBlip xmlns:asvg="http://schemas.microsoft.com/office/drawing/2016/SVG/main" xmlns="" r:embed="rId27"/>
+                <asvg:svgBlip xmlns:asvg="http://schemas.microsoft.com/office/drawing/2016/SVG/main" r:embed="rId27"/>
               </a:ext>
             </a:extLst>
           </a:blip>
@@ -5115,7 +5131,7 @@
         </p:blipFill>
         <p:spPr>
           <a:xfrm>
-            <a:off x="271674" y="7996417"/>
+            <a:off x="314501" y="9151041"/>
             <a:ext cx="183693" cy="183693"/>
           </a:xfrm>
           <a:prstGeom prst="rect">
@@ -5125,170 +5141,48 @@
       </p:pic>
       <p:sp>
         <p:nvSpPr>
-          <p:cNvPr id="37" name="Rectangle 36">
+          <p:cNvPr id="3" name="TextBox 2">
             <a:extLst>
               <a:ext uri="{FF2B5EF4-FFF2-40B4-BE49-F238E27FC236}">
-                <a16:creationId xmlns:a16="http://schemas.microsoft.com/office/drawing/2014/main" xmlns="" id="{A3DDF546-2A18-43F0-A11C-840399EEA2AF}"/>
+                <a16:creationId xmlns:a16="http://schemas.microsoft.com/office/drawing/2014/main" id="{56B96911-3EFF-402E-92C0-70BEE07AFD13}"/>
               </a:ext>
             </a:extLst>
           </p:cNvPr>
-          <p:cNvSpPr/>
+          <p:cNvSpPr txBox="1"/>
           <p:nvPr/>
         </p:nvSpPr>
         <p:spPr>
           <a:xfrm>
-            <a:off x="-139700" y="8449545"/>
-            <a:ext cx="6802158" cy="311916"/>
-          </a:xfrm>
-          <a:prstGeom prst="rect">
-            <a:avLst/>
-          </a:prstGeom>
-          <a:solidFill>
-            <a:schemeClr val="tx1">
-              <a:lumMod val="50000"/>
-              <a:lumOff val="50000"/>
-            </a:schemeClr>
-          </a:solidFill>
-          <a:ln>
-            <a:noFill/>
-          </a:ln>
-        </p:spPr>
-        <p:style>
-          <a:lnRef idx="3">
-            <a:schemeClr val="lt1"/>
-          </a:lnRef>
-          <a:fillRef idx="1">
-            <a:schemeClr val="dk1"/>
-          </a:fillRef>
-          <a:effectRef idx="1">
-            <a:schemeClr val="dk1"/>
-          </a:effectRef>
-          <a:fontRef idx="minor">
-            <a:schemeClr val="lt1"/>
-          </a:fontRef>
-        </p:style>
-        <p:txBody>
-          <a:bodyPr rtlCol="0" anchor="ctr"/>
-          <a:lstStyle/>
-          <a:p>
-            <a:r>
-              <a:rPr lang="en-US" dirty="0"/>
-              <a:t>          About Me</a:t>
-            </a:r>
-          </a:p>
-        </p:txBody>
-      </p:sp>
-      <p:pic>
-        <p:nvPicPr>
-          <p:cNvPr id="1040" name="Picture 16" descr="zoom icon">
-            <a:extLst>
-              <a:ext uri="{FF2B5EF4-FFF2-40B4-BE49-F238E27FC236}">
-                <a16:creationId xmlns:a16="http://schemas.microsoft.com/office/drawing/2014/main" xmlns="" id="{2E746AB1-A657-4EB7-9489-CA96052FC791}"/>
-              </a:ext>
-            </a:extLst>
-          </p:cNvPr>
-          <p:cNvPicPr>
-            <a:picLocks noChangeAspect="1" noChangeArrowheads="1"/>
-          </p:cNvPicPr>
-          <p:nvPr/>
-        </p:nvPicPr>
-        <p:blipFill>
-          <a:blip r:embed="rId28">
-            <a:extLst>
-              <a:ext uri="{28A0092B-C50C-407E-A947-70E740481C1C}">
-                <a14:useLocalDpi xmlns:a14="http://schemas.microsoft.com/office/drawing/2010/main" val="0"/>
-              </a:ext>
-            </a:extLst>
-          </a:blip>
-          <a:srcRect/>
-          <a:stretch>
-            <a:fillRect/>
-          </a:stretch>
-        </p:blipFill>
-        <p:spPr bwMode="auto">
-          <a:xfrm>
-            <a:off x="50416" y="8492249"/>
-            <a:ext cx="259168" cy="259168"/>
+            <a:off x="428241" y="6735866"/>
+            <a:ext cx="6020643" cy="253916"/>
           </a:xfrm>
           <a:prstGeom prst="rect">
             <a:avLst/>
           </a:prstGeom>
           <a:noFill/>
-          <a:extLst>
-            <a:ext uri="{909E8E84-426E-40DD-AFC4-6F175D3DCCD1}">
-              <a14:hiddenFill xmlns:a14="http://schemas.microsoft.com/office/drawing/2010/main">
+        </p:spPr>
+        <p:txBody>
+          <a:bodyPr wrap="square" rtlCol="0">
+            <a:spAutoFit/>
+          </a:bodyPr>
+          <a:lstStyle/>
+          <a:p>
+            <a:r>
+              <a:rPr lang="en-GB" sz="1050" b="1" dirty="0">
                 <a:solidFill>
                   <a:srgbClr val="FFFFFF"/>
                 </a:solidFill>
-              </a14:hiddenFill>
-            </a:ext>
-          </a:extLst>
-        </p:spPr>
-      </p:pic>
+              </a:rPr>
+              <a:t> HARD SKILLS</a:t>
+            </a:r>
+            <a:endParaRPr lang="pt-PT" sz="1050" dirty="0"/>
+          </a:p>
+        </p:txBody>
+      </p:sp>
     </p:spTree>
     <p:extLst>
       <p:ext uri="{BB962C8B-B14F-4D97-AF65-F5344CB8AC3E}">
         <p14:creationId xmlns:p14="http://schemas.microsoft.com/office/powerpoint/2010/main" val="2573843294"/>
-      </p:ext>
-    </p:extLst>
-  </p:cSld>
-  <p:clrMapOvr>
-    <a:masterClrMapping/>
-  </p:clrMapOvr>
-</p:sld>
-</file>
-
-<file path=ppt/slides/slide2.xml><?xml version="1.0" encoding="utf-8"?>
-<p:sld xmlns:a="http://schemas.openxmlformats.org/drawingml/2006/main" xmlns:r="http://schemas.openxmlformats.org/officeDocument/2006/relationships" xmlns:p="http://schemas.openxmlformats.org/presentationml/2006/main">
-  <p:cSld>
-    <p:spTree>
-      <p:nvGrpSpPr>
-        <p:cNvPr id="1" name=""/>
-        <p:cNvGrpSpPr/>
-        <p:nvPr/>
-      </p:nvGrpSpPr>
-      <p:grpSpPr>
-        <a:xfrm>
-          <a:off x="0" y="0"/>
-          <a:ext cx="0" cy="0"/>
-          <a:chOff x="0" y="0"/>
-          <a:chExt cx="0" cy="0"/>
-        </a:xfrm>
-      </p:grpSpPr>
-      <p:pic>
-        <p:nvPicPr>
-          <p:cNvPr id="5" name="Picture 4">
-            <a:extLst>
-              <a:ext uri="{FF2B5EF4-FFF2-40B4-BE49-F238E27FC236}">
-                <a16:creationId xmlns:a16="http://schemas.microsoft.com/office/drawing/2014/main" xmlns="" id="{B656B213-8F65-4A07-8E7B-2BD726D132B7}"/>
-              </a:ext>
-            </a:extLst>
-          </p:cNvPr>
-          <p:cNvPicPr>
-            <a:picLocks noChangeAspect="1"/>
-          </p:cNvPicPr>
-          <p:nvPr/>
-        </p:nvPicPr>
-        <p:blipFill>
-          <a:blip r:embed="rId2"/>
-          <a:stretch>
-            <a:fillRect/>
-          </a:stretch>
-        </p:blipFill>
-        <p:spPr>
-          <a:xfrm>
-            <a:off x="0" y="406400"/>
-            <a:ext cx="6790730" cy="9296400"/>
-          </a:xfrm>
-          <a:prstGeom prst="rect">
-            <a:avLst/>
-          </a:prstGeom>
-        </p:spPr>
-      </p:pic>
-    </p:spTree>
-    <p:extLst>
-      <p:ext uri="{BB962C8B-B14F-4D97-AF65-F5344CB8AC3E}">
-        <p14:creationId xmlns:p14="http://schemas.microsoft.com/office/powerpoint/2010/main" val="4024891644"/>
       </p:ext>
     </p:extLst>
   </p:cSld>
